--- a/Simple_AR_CARD-master/template.pptx
+++ b/Simple_AR_CARD-master/template.pptx
@@ -201,7 +201,7 @@
           <a:p>
             <a:fld id="{43BCBF83-53B0-C448-98B7-FB1C98F3CB4F}" type="datetimeFigureOut">
               <a:rPr kumimoji="1" lang="ja-JP" altLang="en-US" smtClean="0"/>
-              <a:t>2019/11/20</a:t>
+              <a:t>2021/6/7</a:t>
             </a:fld>
             <a:endParaRPr kumimoji="1" lang="ja-JP" altLang="en-US"/>
           </a:p>
@@ -2080,7 +2080,9 @@
         </p:nvSpPr>
         <p:spPr/>
         <p:txBody>
-          <a:bodyPr/>
+          <a:bodyPr>
+            <a:normAutofit fontScale="62500" lnSpcReduction="20000"/>
+          </a:bodyPr>
           <a:lstStyle/>
           <a:p>
             <a:r>
@@ -2239,72 +2241,12 @@
           </a:p>
         </p:txBody>
       </p:sp>
-      <p:sp>
-        <p:nvSpPr>
-          <p:cNvPr id="4" name="テキスト ボックス 3">
+      <p:pic>
+        <p:nvPicPr>
+          <p:cNvPr id="7" name="図 6" descr="テキスト&#10;&#10;自動的に生成された説明">
             <a:extLst>
               <a:ext uri="{FF2B5EF4-FFF2-40B4-BE49-F238E27FC236}">
-                <a16:creationId xmlns:a16="http://schemas.microsoft.com/office/drawing/2014/main" id="{A5CB5011-506C-C44C-BA2D-3B6C7E7388EE}"/>
-              </a:ext>
-            </a:extLst>
-          </p:cNvPr>
-          <p:cNvSpPr txBox="1"/>
-          <p:nvPr/>
-        </p:nvSpPr>
-        <p:spPr>
-          <a:xfrm>
-            <a:off x="3365850" y="2491602"/>
-            <a:ext cx="5426486" cy="1446550"/>
-          </a:xfrm>
-          <a:prstGeom prst="rect">
-            <a:avLst/>
-          </a:prstGeom>
-          <a:noFill/>
-        </p:spPr>
-        <p:txBody>
-          <a:bodyPr wrap="none" rtlCol="0">
-            <a:spAutoFit/>
-          </a:bodyPr>
-          <a:lstStyle/>
-          <a:p>
-            <a:r>
-              <a:rPr kumimoji="1" lang="en-US" altLang="ja-JP" sz="8800" b="1" dirty="0" err="1">
-                <a:ln w="12700">
-                  <a:solidFill>
-                    <a:schemeClr val="bg1"/>
-                  </a:solidFill>
-                </a:ln>
-                <a:solidFill>
-                  <a:schemeClr val="accent1">
-                    <a:lumMod val="60000"/>
-                    <a:lumOff val="40000"/>
-                  </a:schemeClr>
-                </a:solidFill>
-              </a:rPr>
-              <a:t>Shimasan</a:t>
-            </a:r>
-            <a:endParaRPr kumimoji="1" lang="ja-JP" altLang="en-US" sz="8800" b="1">
-              <a:ln w="12700">
-                <a:solidFill>
-                  <a:schemeClr val="bg1"/>
-                </a:solidFill>
-              </a:ln>
-              <a:solidFill>
-                <a:schemeClr val="accent1">
-                  <a:lumMod val="60000"/>
-                  <a:lumOff val="40000"/>
-                </a:schemeClr>
-              </a:solidFill>
-            </a:endParaRPr>
-          </a:p>
-        </p:txBody>
-      </p:sp>
-      <p:pic>
-        <p:nvPicPr>
-          <p:cNvPr id="6" name="図 5">
-            <a:extLst>
-              <a:ext uri="{FF2B5EF4-FFF2-40B4-BE49-F238E27FC236}">
-                <a16:creationId xmlns:a16="http://schemas.microsoft.com/office/drawing/2014/main" id="{2EDEA022-11BB-2348-A97F-8C09872B9B89}"/>
+                <a16:creationId xmlns:a16="http://schemas.microsoft.com/office/drawing/2014/main" id="{E6A39DEE-7067-4EAE-8C94-883AD1676A5C}"/>
               </a:ext>
             </a:extLst>
           </p:cNvPr>
@@ -2321,8 +2263,8 @@
         </p:blipFill>
         <p:spPr>
           <a:xfrm>
-            <a:off x="268327" y="1648488"/>
-            <a:ext cx="2619222" cy="2609557"/>
+            <a:off x="700748" y="1187355"/>
+            <a:ext cx="7742503" cy="5474192"/>
           </a:xfrm>
           <a:prstGeom prst="rect">
             <a:avLst/>

--- a/Simple_AR_CARD-master/template.pptx
+++ b/Simple_AR_CARD-master/template.pptx
@@ -2241,12 +2241,88 @@
           </a:p>
         </p:txBody>
       </p:sp>
+      <p:sp>
+        <p:nvSpPr>
+          <p:cNvPr id="4" name="テキスト ボックス 3">
+            <a:extLst>
+              <a:ext uri="{FF2B5EF4-FFF2-40B4-BE49-F238E27FC236}">
+                <a16:creationId xmlns:a16="http://schemas.microsoft.com/office/drawing/2014/main" id="{A5CB5011-506C-C44C-BA2D-3B6C7E7388EE}"/>
+              </a:ext>
+            </a:extLst>
+          </p:cNvPr>
+          <p:cNvSpPr txBox="1"/>
+          <p:nvPr/>
+        </p:nvSpPr>
+        <p:spPr>
+          <a:xfrm>
+            <a:off x="2761675" y="2491602"/>
+            <a:ext cx="6382325" cy="1200329"/>
+          </a:xfrm>
+          <a:prstGeom prst="rect">
+            <a:avLst/>
+          </a:prstGeom>
+          <a:noFill/>
+        </p:spPr>
+        <p:txBody>
+          <a:bodyPr wrap="none" rtlCol="0">
+            <a:spAutoFit/>
+          </a:bodyPr>
+          <a:lstStyle/>
+          <a:p>
+            <a:r>
+              <a:rPr kumimoji="1" lang="en-US" altLang="ja-JP" sz="7200" b="1" dirty="0">
+                <a:ln w="12700">
+                  <a:solidFill>
+                    <a:schemeClr val="bg1"/>
+                  </a:solidFill>
+                </a:ln>
+                <a:solidFill>
+                  <a:schemeClr val="accent1">
+                    <a:lumMod val="60000"/>
+                    <a:lumOff val="40000"/>
+                  </a:schemeClr>
+                </a:solidFill>
+              </a:rPr>
+              <a:t>Kohei </a:t>
+            </a:r>
+            <a:r>
+              <a:rPr kumimoji="1" lang="en-US" altLang="ja-JP" sz="7200" b="1" dirty="0" err="1">
+                <a:ln w="12700">
+                  <a:solidFill>
+                    <a:schemeClr val="bg1"/>
+                  </a:solidFill>
+                </a:ln>
+                <a:solidFill>
+                  <a:schemeClr val="accent1">
+                    <a:lumMod val="60000"/>
+                    <a:lumOff val="40000"/>
+                  </a:schemeClr>
+                </a:solidFill>
+              </a:rPr>
+              <a:t>kobayashi</a:t>
+            </a:r>
+            <a:endParaRPr kumimoji="1" lang="ja-JP" altLang="en-US" sz="7200" b="1" dirty="0">
+              <a:ln w="12700">
+                <a:solidFill>
+                  <a:schemeClr val="bg1"/>
+                </a:solidFill>
+              </a:ln>
+              <a:solidFill>
+                <a:schemeClr val="accent1">
+                  <a:lumMod val="60000"/>
+                  <a:lumOff val="40000"/>
+                </a:schemeClr>
+              </a:solidFill>
+            </a:endParaRPr>
+          </a:p>
+        </p:txBody>
+      </p:sp>
       <p:pic>
         <p:nvPicPr>
-          <p:cNvPr id="7" name="図 6" descr="テキスト&#10;&#10;自動的に生成された説明">
+          <p:cNvPr id="7" name="図 6" descr="人の顔の絵&#10;&#10;低い精度で自動的に生成された説明">
             <a:extLst>
               <a:ext uri="{FF2B5EF4-FFF2-40B4-BE49-F238E27FC236}">
-                <a16:creationId xmlns:a16="http://schemas.microsoft.com/office/drawing/2014/main" id="{E6A39DEE-7067-4EAE-8C94-883AD1676A5C}"/>
+                <a16:creationId xmlns:a16="http://schemas.microsoft.com/office/drawing/2014/main" id="{EFBBDE4E-9685-436D-B288-A850F3DDC75A}"/>
               </a:ext>
             </a:extLst>
           </p:cNvPr>
@@ -2263,8 +2339,8 @@
         </p:blipFill>
         <p:spPr>
           <a:xfrm>
-            <a:off x="700748" y="1187355"/>
-            <a:ext cx="7742503" cy="5474192"/>
+            <a:off x="351664" y="1508646"/>
+            <a:ext cx="2638425" cy="2667000"/>
           </a:xfrm>
           <a:prstGeom prst="rect">
             <a:avLst/>
